--- a/Group4Prez.pptx
+++ b/Group4Prez.pptx
@@ -5,25 +5,26 @@
     <p:sldMasterId id="2147483660" r:id="rId4"/>
   </p:sldMasterIdLst>
   <p:notesMasterIdLst>
-    <p:notesMasterId r:id="rId13"/>
+    <p:notesMasterId r:id="rId14"/>
   </p:notesMasterIdLst>
   <p:handoutMasterIdLst>
-    <p:handoutMasterId r:id="rId14"/>
+    <p:handoutMasterId r:id="rId15"/>
   </p:handoutMasterIdLst>
   <p:sldIdLst>
     <p:sldId id="279" r:id="rId5"/>
     <p:sldId id="287" r:id="rId6"/>
-    <p:sldId id="292" r:id="rId7"/>
-    <p:sldId id="297" r:id="rId8"/>
-    <p:sldId id="295" r:id="rId9"/>
-    <p:sldId id="296" r:id="rId10"/>
-    <p:sldId id="290" r:id="rId11"/>
-    <p:sldId id="291" r:id="rId12"/>
+    <p:sldId id="298" r:id="rId7"/>
+    <p:sldId id="292" r:id="rId8"/>
+    <p:sldId id="297" r:id="rId9"/>
+    <p:sldId id="295" r:id="rId10"/>
+    <p:sldId id="296" r:id="rId11"/>
+    <p:sldId id="290" r:id="rId12"/>
+    <p:sldId id="291" r:id="rId13"/>
   </p:sldIdLst>
   <p:sldSz cx="12188825" cy="6858000"/>
   <p:notesSz cx="6858000" cy="9144000"/>
   <p:custDataLst>
-    <p:tags r:id="rId15"/>
+    <p:tags r:id="rId16"/>
   </p:custDataLst>
   <p:defaultTextStyle>
     <a:defPPr>
@@ -5549,7 +5550,21 @@
           <a:p>
             <a:r>
               <a:rPr lang="en-US" dirty="0"/>
-              <a:t>Title Layout</a:t>
+              <a:t>Group 4’s </a:t>
+            </a:r>
+            <a:br>
+              <a:rPr lang="en-US" dirty="0"/>
+            </a:br>
+            <a:r>
+              <a:rPr lang="en-US" dirty="0"/>
+              <a:t>autonomous search and destroy </a:t>
+            </a:r>
+            <a:br>
+              <a:rPr lang="en-US" dirty="0"/>
+            </a:br>
+            <a:r>
+              <a:rPr lang="en-US" dirty="0"/>
+              <a:t>Initial presentation</a:t>
             </a:r>
           </a:p>
         </p:txBody>
@@ -5567,13 +5582,30 @@
         <p:spPr/>
         <p:txBody>
           <a:bodyPr>
-            <a:normAutofit/>
+            <a:normAutofit fontScale="92500" lnSpcReduction="20000"/>
           </a:bodyPr>
           <a:lstStyle/>
           <a:p>
             <a:r>
               <a:rPr lang="en-US" dirty="0"/>
-              <a:t>Subtitle</a:t>
+              <a:t>Alejandro Garcia</a:t>
+            </a:r>
+          </a:p>
+          <a:p>
+            <a:r>
+              <a:rPr lang="en-US" dirty="0"/>
+              <a:t>David </a:t>
+            </a:r>
+            <a:r>
+              <a:rPr lang="en-US" dirty="0" err="1"/>
+              <a:t>Ozoude</a:t>
+            </a:r>
+            <a:endParaRPr lang="en-US" dirty="0"/>
+          </a:p>
+          <a:p>
+            <a:r>
+              <a:rPr lang="en-US" dirty="0"/>
+              <a:t>Lora Milam</a:t>
             </a:r>
           </a:p>
         </p:txBody>
@@ -5654,26 +5686,39 @@
         </p:nvSpPr>
         <p:spPr/>
         <p:txBody>
-          <a:bodyPr/>
+          <a:bodyPr>
+            <a:normAutofit/>
+          </a:bodyPr>
           <a:lstStyle/>
           <a:p>
             <a:r>
-              <a:rPr lang="en-US"/>
-              <a:t>Add your first bullet point here</a:t>
-            </a:r>
-          </a:p>
-          <a:p>
-            <a:r>
-              <a:rPr lang="en-US"/>
-              <a:t>Add your second bullet point here</a:t>
-            </a:r>
-          </a:p>
-          <a:p>
-            <a:r>
-              <a:rPr lang="en-US"/>
-              <a:t>Add your third bullet point here</a:t>
-            </a:r>
-            <a:endParaRPr lang="en-US" dirty="0"/>
+              <a:rPr lang="en-US" dirty="0"/>
+              <a:t>Problem Statement</a:t>
+            </a:r>
+          </a:p>
+          <a:p>
+            <a:r>
+              <a:rPr lang="en-US" dirty="0"/>
+              <a:t>Hardware Block Schematic</a:t>
+            </a:r>
+          </a:p>
+          <a:p>
+            <a:r>
+              <a:rPr lang="en-US" dirty="0"/>
+              <a:t>Software Flowchart</a:t>
+            </a:r>
+          </a:p>
+          <a:p>
+            <a:r>
+              <a:rPr lang="en-US" dirty="0"/>
+              <a:t>Roadmap</a:t>
+            </a:r>
+          </a:p>
+          <a:p>
+            <a:r>
+              <a:rPr lang="en-US" dirty="0"/>
+              <a:t>Budget</a:t>
+            </a:r>
           </a:p>
         </p:txBody>
       </p:sp>
@@ -5744,7 +5789,13 @@
       </p:grpSpPr>
       <p:sp>
         <p:nvSpPr>
-          <p:cNvPr id="2" name="Title 1"/>
+          <p:cNvPr id="2" name="Title 1">
+            <a:extLst>
+              <a:ext uri="{FF2B5EF4-FFF2-40B4-BE49-F238E27FC236}">
+                <a16:creationId xmlns:a16="http://schemas.microsoft.com/office/drawing/2014/main" id="{740821BE-13E4-4422-8614-670A30FA6487}"/>
+              </a:ext>
+            </a:extLst>
+          </p:cNvPr>
           <p:cNvSpPr>
             <a:spLocks noGrp="1"/>
           </p:cNvSpPr>
@@ -5759,14 +5810,20 @@
           <a:p>
             <a:r>
               <a:rPr lang="en-US" dirty="0"/>
-              <a:t>Hardware Block Schematic</a:t>
-            </a:r>
-          </a:p>
-        </p:txBody>
-      </p:sp>
-      <p:sp>
-        <p:nvSpPr>
-          <p:cNvPr id="3" name="Content Placeholder 2"/>
+              <a:t>Problem statement</a:t>
+            </a:r>
+          </a:p>
+        </p:txBody>
+      </p:sp>
+      <p:sp>
+        <p:nvSpPr>
+          <p:cNvPr id="3" name="Content Placeholder 2">
+            <a:extLst>
+              <a:ext uri="{FF2B5EF4-FFF2-40B4-BE49-F238E27FC236}">
+                <a16:creationId xmlns:a16="http://schemas.microsoft.com/office/drawing/2014/main" id="{CF3AE103-B6AA-48DE-B22C-FCBE02543E07}"/>
+              </a:ext>
+            </a:extLst>
+          </p:cNvPr>
           <p:cNvSpPr>
             <a:spLocks noGrp="1"/>
           </p:cNvSpPr>
@@ -5779,16 +5836,19 @@
           <a:bodyPr/>
           <a:lstStyle/>
           <a:p>
-            <a:r>
-              <a:rPr lang="en-US" dirty="0"/>
-              <a:t>Smartdraw.com?</a:t>
-            </a:r>
-          </a:p>
-        </p:txBody>
-      </p:sp>
-      <p:sp>
-        <p:nvSpPr>
-          <p:cNvPr id="4" name="Slide Number Placeholder 3"/>
+            <a:endParaRPr lang="en-US" dirty="0"/>
+          </a:p>
+        </p:txBody>
+      </p:sp>
+      <p:sp>
+        <p:nvSpPr>
+          <p:cNvPr id="4" name="Slide Number Placeholder 3">
+            <a:extLst>
+              <a:ext uri="{FF2B5EF4-FFF2-40B4-BE49-F238E27FC236}">
+                <a16:creationId xmlns:a16="http://schemas.microsoft.com/office/drawing/2014/main" id="{48B23E08-9485-4C3B-818F-588A2D538D5F}"/>
+              </a:ext>
+            </a:extLst>
+          </p:cNvPr>
           <p:cNvSpPr>
             <a:spLocks noGrp="1"/>
           </p:cNvSpPr>
@@ -5812,7 +5872,7 @@
     </p:spTree>
     <p:extLst>
       <p:ext uri="{BB962C8B-B14F-4D97-AF65-F5344CB8AC3E}">
-        <p14:creationId xmlns:p14="http://schemas.microsoft.com/office/powerpoint/2010/main" val="814150873"/>
+        <p14:creationId xmlns:p14="http://schemas.microsoft.com/office/powerpoint/2010/main" val="383575293"/>
       </p:ext>
     </p:extLst>
   </p:cSld>
@@ -5868,7 +5928,29 @@
           <a:p>
             <a:r>
               <a:rPr lang="en-US" dirty="0"/>
-              <a:t>software flowchart</a:t>
+              <a:t>Hardware Block Schematic</a:t>
+            </a:r>
+          </a:p>
+        </p:txBody>
+      </p:sp>
+      <p:sp>
+        <p:nvSpPr>
+          <p:cNvPr id="3" name="Content Placeholder 2"/>
+          <p:cNvSpPr>
+            <a:spLocks noGrp="1"/>
+          </p:cNvSpPr>
+          <p:nvPr>
+            <p:ph idx="1"/>
+          </p:nvPr>
+        </p:nvSpPr>
+        <p:spPr/>
+        <p:txBody>
+          <a:bodyPr/>
+          <a:lstStyle/>
+          <a:p>
+            <a:r>
+              <a:rPr lang="en-US" dirty="0"/>
+              <a:t>Smartdraw.com?</a:t>
             </a:r>
           </a:p>
         </p:txBody>
@@ -5891,6 +5973,93 @@
             <a:fld id="{E5FD5434-F838-4DD4-A17B-1CB1A1850DF4}" type="slidenum">
               <a:rPr lang="en-US" smtClean="0"/>
               <a:t>4</a:t>
+            </a:fld>
+            <a:endParaRPr lang="en-US"/>
+          </a:p>
+        </p:txBody>
+      </p:sp>
+    </p:spTree>
+    <p:extLst>
+      <p:ext uri="{BB962C8B-B14F-4D97-AF65-F5344CB8AC3E}">
+        <p14:creationId xmlns:p14="http://schemas.microsoft.com/office/powerpoint/2010/main" val="814150873"/>
+      </p:ext>
+    </p:extLst>
+  </p:cSld>
+  <p:clrMapOvr>
+    <a:masterClrMapping/>
+  </p:clrMapOvr>
+  <mc:AlternateContent xmlns:mc="http://schemas.openxmlformats.org/markup-compatibility/2006" xmlns:p14="http://schemas.microsoft.com/office/powerpoint/2010/main">
+    <mc:Choice Requires="p14">
+      <p:transition spd="med" p14:dur="700">
+        <p:fade/>
+      </p:transition>
+    </mc:Choice>
+    <mc:Fallback xmlns="">
+      <p:transition spd="med">
+        <p:fade/>
+      </p:transition>
+    </mc:Fallback>
+  </mc:AlternateContent>
+</p:sld>
+</file>
+
+<file path=ppt/slides/slide5.xml><?xml version="1.0" encoding="utf-8"?>
+<p:sld xmlns:a="http://schemas.openxmlformats.org/drawingml/2006/main" xmlns:r="http://schemas.openxmlformats.org/officeDocument/2006/relationships" xmlns:p="http://schemas.openxmlformats.org/presentationml/2006/main">
+  <p:cSld>
+    <p:spTree>
+      <p:nvGrpSpPr>
+        <p:cNvPr id="1" name=""/>
+        <p:cNvGrpSpPr/>
+        <p:nvPr/>
+      </p:nvGrpSpPr>
+      <p:grpSpPr>
+        <a:xfrm>
+          <a:off x="0" y="0"/>
+          <a:ext cx="0" cy="0"/>
+          <a:chOff x="0" y="0"/>
+          <a:chExt cx="0" cy="0"/>
+        </a:xfrm>
+      </p:grpSpPr>
+      <p:sp>
+        <p:nvSpPr>
+          <p:cNvPr id="2" name="Title 1"/>
+          <p:cNvSpPr>
+            <a:spLocks noGrp="1"/>
+          </p:cNvSpPr>
+          <p:nvPr>
+            <p:ph type="title"/>
+          </p:nvPr>
+        </p:nvSpPr>
+        <p:spPr/>
+        <p:txBody>
+          <a:bodyPr/>
+          <a:lstStyle/>
+          <a:p>
+            <a:r>
+              <a:rPr lang="en-US" dirty="0"/>
+              <a:t>software flowchart</a:t>
+            </a:r>
+          </a:p>
+        </p:txBody>
+      </p:sp>
+      <p:sp>
+        <p:nvSpPr>
+          <p:cNvPr id="4" name="Slide Number Placeholder 3"/>
+          <p:cNvSpPr>
+            <a:spLocks noGrp="1"/>
+          </p:cNvSpPr>
+          <p:nvPr>
+            <p:ph type="sldNum" sz="quarter" idx="12"/>
+          </p:nvPr>
+        </p:nvSpPr>
+        <p:spPr/>
+        <p:txBody>
+          <a:bodyPr/>
+          <a:lstStyle/>
+          <a:p>
+            <a:fld id="{E5FD5434-F838-4DD4-A17B-1CB1A1850DF4}" type="slidenum">
+              <a:rPr lang="en-US" smtClean="0"/>
+              <a:t>5</a:t>
             </a:fld>
             <a:endParaRPr lang="en-US"/>
           </a:p>
@@ -5951,7 +6120,7 @@
 </p:sld>
 </file>
 
-<file path=ppt/slides/slide5.xml><?xml version="1.0" encoding="utf-8"?>
+<file path=ppt/slides/slide6.xml><?xml version="1.0" encoding="utf-8"?>
 <p:sld xmlns:a="http://schemas.openxmlformats.org/drawingml/2006/main" xmlns:r="http://schemas.openxmlformats.org/officeDocument/2006/relationships" xmlns:p="http://schemas.openxmlformats.org/presentationml/2006/main">
   <p:cSld>
     <p:spTree>
@@ -6007,7 +6176,7 @@
           <a:p>
             <a:fld id="{E5FD5434-F838-4DD4-A17B-1CB1A1850DF4}" type="slidenum">
               <a:rPr lang="en-US" smtClean="0"/>
-              <a:t>5</a:t>
+              <a:t>6</a:t>
             </a:fld>
             <a:endParaRPr lang="en-US"/>
           </a:p>
@@ -6068,115 +6237,6 @@
 </p:sld>
 </file>
 
-<file path=ppt/slides/slide6.xml><?xml version="1.0" encoding="utf-8"?>
-<p:sld xmlns:a="http://schemas.openxmlformats.org/drawingml/2006/main" xmlns:r="http://schemas.openxmlformats.org/officeDocument/2006/relationships" xmlns:p="http://schemas.openxmlformats.org/presentationml/2006/main">
-  <p:cSld>
-    <p:spTree>
-      <p:nvGrpSpPr>
-        <p:cNvPr id="1" name=""/>
-        <p:cNvGrpSpPr/>
-        <p:nvPr/>
-      </p:nvGrpSpPr>
-      <p:grpSpPr>
-        <a:xfrm>
-          <a:off x="0" y="0"/>
-          <a:ext cx="0" cy="0"/>
-          <a:chOff x="0" y="0"/>
-          <a:chExt cx="0" cy="0"/>
-        </a:xfrm>
-      </p:grpSpPr>
-      <p:sp>
-        <p:nvSpPr>
-          <p:cNvPr id="2" name="Title 1"/>
-          <p:cNvSpPr>
-            <a:spLocks noGrp="1"/>
-          </p:cNvSpPr>
-          <p:nvPr>
-            <p:ph type="title"/>
-          </p:nvPr>
-        </p:nvSpPr>
-        <p:spPr/>
-        <p:txBody>
-          <a:bodyPr/>
-          <a:lstStyle/>
-          <a:p>
-            <a:r>
-              <a:rPr lang="en-US" dirty="0"/>
-              <a:t>budget</a:t>
-            </a:r>
-          </a:p>
-        </p:txBody>
-      </p:sp>
-      <p:sp>
-        <p:nvSpPr>
-          <p:cNvPr id="3" name="Content Placeholder 2"/>
-          <p:cNvSpPr>
-            <a:spLocks noGrp="1"/>
-          </p:cNvSpPr>
-          <p:nvPr>
-            <p:ph idx="1"/>
-          </p:nvPr>
-        </p:nvSpPr>
-        <p:spPr/>
-        <p:txBody>
-          <a:bodyPr/>
-          <a:lstStyle/>
-          <a:p>
-            <a:pPr marL="0" indent="0">
-              <a:buNone/>
-            </a:pPr>
-            <a:endParaRPr lang="en-US" dirty="0"/>
-          </a:p>
-        </p:txBody>
-      </p:sp>
-      <p:sp>
-        <p:nvSpPr>
-          <p:cNvPr id="4" name="Slide Number Placeholder 3"/>
-          <p:cNvSpPr>
-            <a:spLocks noGrp="1"/>
-          </p:cNvSpPr>
-          <p:nvPr>
-            <p:ph type="sldNum" sz="quarter" idx="12"/>
-          </p:nvPr>
-        </p:nvSpPr>
-        <p:spPr/>
-        <p:txBody>
-          <a:bodyPr/>
-          <a:lstStyle/>
-          <a:p>
-            <a:fld id="{E5FD5434-F838-4DD4-A17B-1CB1A1850DF4}" type="slidenum">
-              <a:rPr lang="en-US" smtClean="0"/>
-              <a:t>6</a:t>
-            </a:fld>
-            <a:endParaRPr lang="en-US"/>
-          </a:p>
-        </p:txBody>
-      </p:sp>
-    </p:spTree>
-    <p:extLst>
-      <p:ext uri="{BB962C8B-B14F-4D97-AF65-F5344CB8AC3E}">
-        <p14:creationId xmlns:p14="http://schemas.microsoft.com/office/powerpoint/2010/main" val="2857657115"/>
-      </p:ext>
-    </p:extLst>
-  </p:cSld>
-  <p:clrMapOvr>
-    <a:masterClrMapping/>
-  </p:clrMapOvr>
-  <mc:AlternateContent xmlns:mc="http://schemas.openxmlformats.org/markup-compatibility/2006" xmlns:p14="http://schemas.microsoft.com/office/powerpoint/2010/main">
-    <mc:Choice Requires="p14">
-      <p:transition spd="med" p14:dur="700">
-        <p:fade/>
-      </p:transition>
-    </mc:Choice>
-    <mc:Fallback xmlns="">
-      <p:transition spd="med">
-        <p:fade/>
-      </p:transition>
-    </mc:Fallback>
-  </mc:AlternateContent>
-</p:sld>
-</file>
-
 <file path=ppt/slides/slide7.xml><?xml version="1.0" encoding="utf-8"?>
 <p:sld xmlns:a="http://schemas.openxmlformats.org/drawingml/2006/main" xmlns:r="http://schemas.openxmlformats.org/officeDocument/2006/relationships" xmlns:p="http://schemas.openxmlformats.org/presentationml/2006/main">
   <p:cSld>
@@ -6196,7 +6256,7 @@
       </p:grpSpPr>
       <p:sp>
         <p:nvSpPr>
-          <p:cNvPr id="13" name="Title 12"/>
+          <p:cNvPr id="2" name="Title 1"/>
           <p:cNvSpPr>
             <a:spLocks noGrp="1"/>
           </p:cNvSpPr>
@@ -6211,49 +6271,14 @@
           <a:p>
             <a:r>
               <a:rPr lang="en-US" dirty="0"/>
-              <a:t>recap</a:t>
-            </a:r>
-          </a:p>
-        </p:txBody>
-      </p:sp>
-      <p:sp>
-        <p:nvSpPr>
-          <p:cNvPr id="14" name="Content Placeholder 13"/>
-          <p:cNvSpPr>
-            <a:spLocks noGrp="1"/>
-          </p:cNvSpPr>
-          <p:nvPr>
-            <p:ph idx="1"/>
-          </p:nvPr>
-        </p:nvSpPr>
-        <p:spPr/>
-        <p:txBody>
-          <a:bodyPr/>
-          <a:lstStyle/>
-          <a:p>
-            <a:r>
-              <a:rPr lang="en-US"/>
-              <a:t>Add your first bullet point here</a:t>
-            </a:r>
-          </a:p>
-          <a:p>
-            <a:r>
-              <a:rPr lang="en-US"/>
-              <a:t>Add your second bullet point here</a:t>
-            </a:r>
-          </a:p>
-          <a:p>
-            <a:r>
-              <a:rPr lang="en-US"/>
-              <a:t>Add your third bullet point here</a:t>
-            </a:r>
-            <a:endParaRPr lang="en-US" dirty="0"/>
-          </a:p>
-        </p:txBody>
-      </p:sp>
-      <p:sp>
-        <p:nvSpPr>
-          <p:cNvPr id="2" name="Slide Number Placeholder 1"/>
+              <a:t>budget</a:t>
+            </a:r>
+          </a:p>
+        </p:txBody>
+      </p:sp>
+      <p:sp>
+        <p:nvSpPr>
+          <p:cNvPr id="4" name="Slide Number Placeholder 3"/>
           <p:cNvSpPr>
             <a:spLocks noGrp="1"/>
           </p:cNvSpPr>
@@ -6274,10 +6299,40 @@
           </a:p>
         </p:txBody>
       </p:sp>
+      <p:pic>
+        <p:nvPicPr>
+          <p:cNvPr id="9" name="Picture 8">
+            <a:extLst>
+              <a:ext uri="{FF2B5EF4-FFF2-40B4-BE49-F238E27FC236}">
+                <a16:creationId xmlns:a16="http://schemas.microsoft.com/office/drawing/2014/main" id="{FB9CCFC8-E6EA-44A7-8015-283D7525EEAE}"/>
+              </a:ext>
+            </a:extLst>
+          </p:cNvPr>
+          <p:cNvPicPr>
+            <a:picLocks noChangeAspect="1"/>
+          </p:cNvPicPr>
+          <p:nvPr/>
+        </p:nvPicPr>
+        <p:blipFill>
+          <a:blip r:embed="rId2"/>
+          <a:stretch>
+            <a:fillRect/>
+          </a:stretch>
+        </p:blipFill>
+        <p:spPr>
+          <a:xfrm>
+            <a:off x="2368735" y="1767312"/>
+            <a:ext cx="7451354" cy="4709688"/>
+          </a:xfrm>
+          <a:prstGeom prst="rect">
+            <a:avLst/>
+          </a:prstGeom>
+        </p:spPr>
+      </p:pic>
     </p:spTree>
     <p:extLst>
       <p:ext uri="{BB962C8B-B14F-4D97-AF65-F5344CB8AC3E}">
-        <p14:creationId xmlns:p14="http://schemas.microsoft.com/office/powerpoint/2010/main" val="2996388540"/>
+        <p14:creationId xmlns:p14="http://schemas.microsoft.com/office/powerpoint/2010/main" val="2857657115"/>
       </p:ext>
     </p:extLst>
   </p:cSld>
@@ -6318,6 +6373,139 @@
       </p:grpSpPr>
       <p:sp>
         <p:nvSpPr>
+          <p:cNvPr id="13" name="Title 12"/>
+          <p:cNvSpPr>
+            <a:spLocks noGrp="1"/>
+          </p:cNvSpPr>
+          <p:nvPr>
+            <p:ph type="title"/>
+          </p:nvPr>
+        </p:nvSpPr>
+        <p:spPr/>
+        <p:txBody>
+          <a:bodyPr/>
+          <a:lstStyle/>
+          <a:p>
+            <a:r>
+              <a:rPr lang="en-US" dirty="0"/>
+              <a:t>recap</a:t>
+            </a:r>
+          </a:p>
+        </p:txBody>
+      </p:sp>
+      <p:sp>
+        <p:nvSpPr>
+          <p:cNvPr id="14" name="Content Placeholder 13"/>
+          <p:cNvSpPr>
+            <a:spLocks noGrp="1"/>
+          </p:cNvSpPr>
+          <p:nvPr>
+            <p:ph idx="1"/>
+          </p:nvPr>
+        </p:nvSpPr>
+        <p:spPr/>
+        <p:txBody>
+          <a:bodyPr/>
+          <a:lstStyle/>
+          <a:p>
+            <a:r>
+              <a:rPr lang="en-US" dirty="0"/>
+              <a:t>Problem Statement</a:t>
+            </a:r>
+          </a:p>
+          <a:p>
+            <a:r>
+              <a:rPr lang="en-US" dirty="0"/>
+              <a:t>Hardware Block Schematic</a:t>
+            </a:r>
+          </a:p>
+          <a:p>
+            <a:r>
+              <a:rPr lang="en-US" dirty="0"/>
+              <a:t>Software Flowchart</a:t>
+            </a:r>
+          </a:p>
+          <a:p>
+            <a:r>
+              <a:rPr lang="en-US" dirty="0"/>
+              <a:t>Roadmap</a:t>
+            </a:r>
+          </a:p>
+          <a:p>
+            <a:r>
+              <a:rPr lang="en-US" dirty="0"/>
+              <a:t>Budget</a:t>
+            </a:r>
+          </a:p>
+        </p:txBody>
+      </p:sp>
+      <p:sp>
+        <p:nvSpPr>
+          <p:cNvPr id="2" name="Slide Number Placeholder 1"/>
+          <p:cNvSpPr>
+            <a:spLocks noGrp="1"/>
+          </p:cNvSpPr>
+          <p:nvPr>
+            <p:ph type="sldNum" sz="quarter" idx="12"/>
+          </p:nvPr>
+        </p:nvSpPr>
+        <p:spPr/>
+        <p:txBody>
+          <a:bodyPr/>
+          <a:lstStyle/>
+          <a:p>
+            <a:fld id="{E5FD5434-F838-4DD4-A17B-1CB1A1850DF4}" type="slidenum">
+              <a:rPr lang="en-US" smtClean="0"/>
+              <a:t>8</a:t>
+            </a:fld>
+            <a:endParaRPr lang="en-US"/>
+          </a:p>
+        </p:txBody>
+      </p:sp>
+    </p:spTree>
+    <p:extLst>
+      <p:ext uri="{BB962C8B-B14F-4D97-AF65-F5344CB8AC3E}">
+        <p14:creationId xmlns:p14="http://schemas.microsoft.com/office/powerpoint/2010/main" val="2996388540"/>
+      </p:ext>
+    </p:extLst>
+  </p:cSld>
+  <p:clrMapOvr>
+    <a:masterClrMapping/>
+  </p:clrMapOvr>
+  <mc:AlternateContent xmlns:mc="http://schemas.openxmlformats.org/markup-compatibility/2006" xmlns:p14="http://schemas.microsoft.com/office/powerpoint/2010/main">
+    <mc:Choice Requires="p14">
+      <p:transition spd="med" p14:dur="700">
+        <p:fade/>
+      </p:transition>
+    </mc:Choice>
+    <mc:Fallback xmlns="">
+      <p:transition spd="med">
+        <p:fade/>
+      </p:transition>
+    </mc:Fallback>
+  </mc:AlternateContent>
+</p:sld>
+</file>
+
+<file path=ppt/slides/slide9.xml><?xml version="1.0" encoding="utf-8"?>
+<p:sld xmlns:a="http://schemas.openxmlformats.org/drawingml/2006/main" xmlns:r="http://schemas.openxmlformats.org/officeDocument/2006/relationships" xmlns:p="http://schemas.openxmlformats.org/presentationml/2006/main">
+  <p:cSld>
+    <p:spTree>
+      <p:nvGrpSpPr>
+        <p:cNvPr id="1" name=""/>
+        <p:cNvGrpSpPr/>
+        <p:nvPr/>
+      </p:nvGrpSpPr>
+      <p:grpSpPr>
+        <a:xfrm>
+          <a:off x="0" y="0"/>
+          <a:ext cx="0" cy="0"/>
+          <a:chOff x="0" y="0"/>
+          <a:chExt cx="0" cy="0"/>
+        </a:xfrm>
+      </p:grpSpPr>
+      <p:sp>
+        <p:nvSpPr>
           <p:cNvPr id="2" name="Title 1"/>
           <p:cNvSpPr>
             <a:spLocks noGrp="1"/>
@@ -6374,7 +6562,7 @@
           <a:p>
             <a:fld id="{E5FD5434-F838-4DD4-A17B-1CB1A1850DF4}" type="slidenum">
               <a:rPr lang="en-US" smtClean="0"/>
-              <a:t>8</a:t>
+              <a:t>9</a:t>
             </a:fld>
             <a:endParaRPr lang="en-US"/>
           </a:p>
@@ -8565,14 +8753,14 @@
 <file path=customXml/itemProps2.xml><?xml version="1.0" encoding="utf-8"?>
 <ds:datastoreItem xmlns:ds="http://schemas.openxmlformats.org/officeDocument/2006/customXml" ds:itemID="{45076977-ECB7-44C2-A70D-853BB6B41242}">
   <ds:schemaRefs>
+    <ds:schemaRef ds:uri="4873beb7-5857-4685-be1f-d57550cc96cc"/>
     <ds:schemaRef ds:uri="http://schemas.openxmlformats.org/package/2006/metadata/core-properties"/>
+    <ds:schemaRef ds:uri="http://purl.org/dc/terms/"/>
+    <ds:schemaRef ds:uri="http://schemas.microsoft.com/office/infopath/2007/PartnerControls"/>
+    <ds:schemaRef ds:uri="http://www.w3.org/XML/1998/namespace"/>
     <ds:schemaRef ds:uri="http://schemas.microsoft.com/office/2006/documentManagement/types"/>
-    <ds:schemaRef ds:uri="http://schemas.microsoft.com/office/infopath/2007/PartnerControls"/>
     <ds:schemaRef ds:uri="http://purl.org/dc/elements/1.1/"/>
     <ds:schemaRef ds:uri="http://schemas.microsoft.com/office/2006/metadata/properties"/>
-    <ds:schemaRef ds:uri="http://purl.org/dc/terms/"/>
-    <ds:schemaRef ds:uri="4873beb7-5857-4685-be1f-d57550cc96cc"/>
-    <ds:schemaRef ds:uri="http://www.w3.org/XML/1998/namespace"/>
     <ds:schemaRef ds:uri="http://purl.org/dc/dcmitype/"/>
   </ds:schemaRefs>
 </ds:datastoreItem>

--- a/Group4Prez.pptx
+++ b/Group4Prez.pptx
@@ -13,13 +13,13 @@
   <p:sldIdLst>
     <p:sldId id="279" r:id="rId5"/>
     <p:sldId id="287" r:id="rId6"/>
-    <p:sldId id="298" r:id="rId7"/>
-    <p:sldId id="292" r:id="rId8"/>
+    <p:sldId id="292" r:id="rId7"/>
+    <p:sldId id="298" r:id="rId8"/>
     <p:sldId id="297" r:id="rId9"/>
     <p:sldId id="295" r:id="rId10"/>
     <p:sldId id="296" r:id="rId11"/>
     <p:sldId id="290" r:id="rId12"/>
-    <p:sldId id="291" r:id="rId13"/>
+    <p:sldId id="299" r:id="rId13"/>
   </p:sldIdLst>
   <p:sldSz cx="12188825" cy="6858000"/>
   <p:notesSz cx="6858000" cy="9144000"/>
@@ -123,7 +123,7 @@
   </p:defaultTextStyle>
   <p:extLst>
     <p:ext uri="{EFAFB233-063F-42B5-8137-9DF3F51BA10A}">
-      <p15:sldGuideLst xmlns:p15="http://schemas.microsoft.com/office/powerpoint/2012/main">
+      <p15:sldGuideLst xmlns:p15="http://schemas.microsoft.com/office/powerpoint/2012/main" xmlns="">
         <p15:guide id="1" orient="horz" pos="2160">
           <p15:clr>
             <a:srgbClr val="A4A3A4"/>
@@ -137,7 +137,7 @@
       </p15:sldGuideLst>
     </p:ext>
     <p:ext uri="{2D200454-40CA-4A62-9FC3-DE9A4176ACB9}">
-      <p15:notesGuideLst xmlns:p15="http://schemas.microsoft.com/office/powerpoint/2012/main">
+      <p15:notesGuideLst xmlns:p15="http://schemas.microsoft.com/office/powerpoint/2012/main" xmlns="">
         <p15:guide id="1" orient="horz" pos="2880">
           <p15:clr>
             <a:srgbClr val="A4A3A4"/>
@@ -240,7 +240,8 @@
           <a:p>
             <a:fld id="{4954C6E1-AF92-4FB7-A013-0B520EBC30AE}" type="datetimeFigureOut">
               <a:rPr lang="en-US"/>
-              <a:t>9/21/2017</a:t>
+              <a:pPr/>
+              <a:t>9/20/2017</a:t>
             </a:fld>
             <a:endParaRPr/>
           </a:p>
@@ -306,6 +307,7 @@
           <a:p>
             <a:fld id="{DA52D9BF-D574-4807-B36C-9E2A025BE826}" type="slidenum">
               <a:rPr/>
+              <a:pPr/>
               <a:t>‹#›</a:t>
             </a:fld>
             <a:endParaRPr/>
@@ -315,7 +317,7 @@
     </p:spTree>
     <p:extLst>
       <p:ext uri="{BB962C8B-B14F-4D97-AF65-F5344CB8AC3E}">
-        <p14:creationId xmlns:p14="http://schemas.microsoft.com/office/powerpoint/2010/main" val="2306792137"/>
+        <p14:creationId xmlns:p14="http://schemas.microsoft.com/office/powerpoint/2010/main" xmlns="" val="2306792137"/>
       </p:ext>
     </p:extLst>
   </p:cSld>
@@ -405,7 +407,8 @@
           <a:p>
             <a:fld id="{95C10850-0874-4A61-99B4-D613C5E8D9EA}" type="datetimeFigureOut">
               <a:rPr lang="en-US"/>
-              <a:t>9/21/2017</a:t>
+              <a:pPr/>
+              <a:t>9/20/2017</a:t>
             </a:fld>
             <a:endParaRPr/>
           </a:p>
@@ -558,6 +561,7 @@
           <a:p>
             <a:fld id="{9E11EC53-F507-411E-9ADC-FBCFECE09D3D}" type="slidenum">
               <a:rPr/>
+              <a:pPr/>
               <a:t>‹#›</a:t>
             </a:fld>
             <a:endParaRPr/>
@@ -567,7 +571,7 @@
     </p:spTree>
     <p:extLst>
       <p:ext uri="{BB962C8B-B14F-4D97-AF65-F5344CB8AC3E}">
-        <p14:creationId xmlns:p14="http://schemas.microsoft.com/office/powerpoint/2010/main" val="758182631"/>
+        <p14:creationId xmlns:p14="http://schemas.microsoft.com/office/powerpoint/2010/main" xmlns="" val="758182631"/>
       </p:ext>
     </p:extLst>
   </p:cSld>
@@ -1387,13 +1391,13 @@
   <p:clrMapOvr>
     <a:masterClrMapping/>
   </p:clrMapOvr>
-  <mc:AlternateContent xmlns:mc="http://schemas.openxmlformats.org/markup-compatibility/2006" xmlns:p14="http://schemas.microsoft.com/office/powerpoint/2010/main">
-    <mc:Choice Requires="p14">
+  <mc:AlternateContent xmlns:mc="http://schemas.openxmlformats.org/markup-compatibility/2006">
+    <mc:Choice xmlns:p14="http://schemas.microsoft.com/office/powerpoint/2010/main" xmlns="" Requires="p14">
       <p:transition spd="med" p14:dur="700">
         <p:fade/>
       </p:transition>
     </mc:Choice>
-    <mc:Fallback xmlns="">
+    <mc:Fallback>
       <p:transition spd="med">
         <p:fade/>
       </p:transition>
@@ -1649,20 +1653,20 @@
     </p:spTree>
     <p:extLst>
       <p:ext uri="{BB962C8B-B14F-4D97-AF65-F5344CB8AC3E}">
-        <p14:creationId xmlns:p14="http://schemas.microsoft.com/office/powerpoint/2010/main" val="2076303992"/>
+        <p14:creationId xmlns:p14="http://schemas.microsoft.com/office/powerpoint/2010/main" xmlns="" val="2076303992"/>
       </p:ext>
     </p:extLst>
   </p:cSld>
   <p:clrMapOvr>
     <a:masterClrMapping/>
   </p:clrMapOvr>
-  <mc:AlternateContent xmlns:mc="http://schemas.openxmlformats.org/markup-compatibility/2006" xmlns:p14="http://schemas.microsoft.com/office/powerpoint/2010/main">
-    <mc:Choice Requires="p14">
+  <mc:AlternateContent xmlns:mc="http://schemas.openxmlformats.org/markup-compatibility/2006">
+    <mc:Choice xmlns:p14="http://schemas.microsoft.com/office/powerpoint/2010/main" xmlns="" Requires="p14">
       <p:transition spd="med" p14:dur="700">
         <p:fade/>
       </p:transition>
     </mc:Choice>
-    <mc:Fallback xmlns="">
+    <mc:Fallback>
       <p:transition spd="med">
         <p:fade/>
       </p:transition>
@@ -1834,6 +1838,7 @@
           <a:p>
             <a:fld id="{E5FD5434-F838-4DD4-A17B-1CB1A1850DF4}" type="slidenum">
               <a:rPr/>
+              <a:pPr/>
               <a:t>‹#›</a:t>
             </a:fld>
             <a:endParaRPr/>
@@ -1845,13 +1850,13 @@
   <p:clrMapOvr>
     <a:masterClrMapping/>
   </p:clrMapOvr>
-  <mc:AlternateContent xmlns:mc="http://schemas.openxmlformats.org/markup-compatibility/2006" xmlns:p14="http://schemas.microsoft.com/office/powerpoint/2010/main">
-    <mc:Choice Requires="p14">
+  <mc:AlternateContent xmlns:mc="http://schemas.openxmlformats.org/markup-compatibility/2006">
+    <mc:Choice xmlns:p14="http://schemas.microsoft.com/office/powerpoint/2010/main" xmlns="" Requires="p14">
       <p:transition spd="med" p14:dur="700">
         <p:fade/>
       </p:transition>
     </mc:Choice>
-    <mc:Fallback xmlns="">
+    <mc:Fallback>
       <p:transition spd="med">
         <p:fade/>
       </p:transition>
@@ -2033,6 +2038,7 @@
           <a:p>
             <a:fld id="{E5FD5434-F838-4DD4-A17B-1CB1A1850DF4}" type="slidenum">
               <a:rPr/>
+              <a:pPr/>
               <a:t>‹#›</a:t>
             </a:fld>
             <a:endParaRPr/>
@@ -2044,13 +2050,13 @@
   <p:clrMapOvr>
     <a:masterClrMapping/>
   </p:clrMapOvr>
-  <mc:AlternateContent xmlns:mc="http://schemas.openxmlformats.org/markup-compatibility/2006" xmlns:p14="http://schemas.microsoft.com/office/powerpoint/2010/main">
-    <mc:Choice Requires="p14">
+  <mc:AlternateContent xmlns:mc="http://schemas.openxmlformats.org/markup-compatibility/2006">
+    <mc:Choice xmlns:p14="http://schemas.microsoft.com/office/powerpoint/2010/main" xmlns="" Requires="p14">
       <p:transition spd="med" p14:dur="700">
         <p:fade/>
       </p:transition>
     </mc:Choice>
-    <mc:Fallback xmlns="">
+    <mc:Fallback>
       <p:transition spd="med">
         <p:fade/>
       </p:transition>
@@ -2222,6 +2228,7 @@
           <a:p>
             <a:fld id="{E5FD5434-F838-4DD4-A17B-1CB1A1850DF4}" type="slidenum">
               <a:rPr/>
+              <a:pPr/>
               <a:t>‹#›</a:t>
             </a:fld>
             <a:endParaRPr/>
@@ -2233,13 +2240,13 @@
   <p:clrMapOvr>
     <a:masterClrMapping/>
   </p:clrMapOvr>
-  <mc:AlternateContent xmlns:mc="http://schemas.openxmlformats.org/markup-compatibility/2006" xmlns:p14="http://schemas.microsoft.com/office/powerpoint/2010/main">
-    <mc:Choice Requires="p14">
+  <mc:AlternateContent xmlns:mc="http://schemas.openxmlformats.org/markup-compatibility/2006">
+    <mc:Choice xmlns:p14="http://schemas.microsoft.com/office/powerpoint/2010/main" xmlns="" Requires="p14">
       <p:transition spd="med" p14:dur="700">
         <p:fade/>
       </p:transition>
     </mc:Choice>
-    <mc:Fallback xmlns="">
+    <mc:Fallback>
       <p:transition spd="med">
         <p:fade/>
       </p:transition>
@@ -2964,6 +2971,7 @@
           <a:p>
             <a:fld id="{E5FD5434-F838-4DD4-A17B-1CB1A1850DF4}" type="slidenum">
               <a:rPr/>
+              <a:pPr/>
               <a:t>‹#›</a:t>
             </a:fld>
             <a:endParaRPr/>
@@ -2975,13 +2983,13 @@
   <p:clrMapOvr>
     <a:masterClrMapping/>
   </p:clrMapOvr>
-  <mc:AlternateContent xmlns:mc="http://schemas.openxmlformats.org/markup-compatibility/2006" xmlns:p14="http://schemas.microsoft.com/office/powerpoint/2010/main">
-    <mc:Choice Requires="p14">
+  <mc:AlternateContent xmlns:mc="http://schemas.openxmlformats.org/markup-compatibility/2006">
+    <mc:Choice xmlns:p14="http://schemas.microsoft.com/office/powerpoint/2010/main" xmlns="" Requires="p14">
       <p:transition spd="med" p14:dur="700">
         <p:fade/>
       </p:transition>
     </mc:Choice>
-    <mc:Fallback xmlns="">
+    <mc:Fallback>
       <p:transition spd="med">
         <p:fade/>
       </p:transition>
@@ -3259,6 +3267,7 @@
           <a:p>
             <a:fld id="{E5FD5434-F838-4DD4-A17B-1CB1A1850DF4}" type="slidenum">
               <a:rPr/>
+              <a:pPr/>
               <a:t>‹#›</a:t>
             </a:fld>
             <a:endParaRPr/>
@@ -3270,13 +3279,13 @@
   <p:clrMapOvr>
     <a:masterClrMapping/>
   </p:clrMapOvr>
-  <mc:AlternateContent xmlns:mc="http://schemas.openxmlformats.org/markup-compatibility/2006" xmlns:p14="http://schemas.microsoft.com/office/powerpoint/2010/main">
-    <mc:Choice Requires="p14">
+  <mc:AlternateContent xmlns:mc="http://schemas.openxmlformats.org/markup-compatibility/2006">
+    <mc:Choice xmlns:p14="http://schemas.microsoft.com/office/powerpoint/2010/main" xmlns="" Requires="p14">
       <p:transition spd="med" p14:dur="700">
         <p:fade/>
       </p:transition>
     </mc:Choice>
-    <mc:Fallback xmlns="">
+    <mc:Fallback>
       <p:transition spd="med">
         <p:fade/>
       </p:transition>
@@ -3712,6 +3721,7 @@
           <a:p>
             <a:fld id="{E5FD5434-F838-4DD4-A17B-1CB1A1850DF4}" type="slidenum">
               <a:rPr/>
+              <a:pPr/>
               <a:t>‹#›</a:t>
             </a:fld>
             <a:endParaRPr/>
@@ -3723,13 +3733,13 @@
   <p:clrMapOvr>
     <a:masterClrMapping/>
   </p:clrMapOvr>
-  <mc:AlternateContent xmlns:mc="http://schemas.openxmlformats.org/markup-compatibility/2006" xmlns:p14="http://schemas.microsoft.com/office/powerpoint/2010/main">
-    <mc:Choice Requires="p14">
+  <mc:AlternateContent xmlns:mc="http://schemas.openxmlformats.org/markup-compatibility/2006">
+    <mc:Choice xmlns:p14="http://schemas.microsoft.com/office/powerpoint/2010/main" xmlns="" Requires="p14">
       <p:transition spd="med" p14:dur="700">
         <p:fade/>
       </p:transition>
     </mc:Choice>
-    <mc:Fallback xmlns="">
+    <mc:Fallback>
       <p:transition spd="med">
         <p:fade/>
       </p:transition>
@@ -3833,6 +3843,7 @@
           <a:p>
             <a:fld id="{E5FD5434-F838-4DD4-A17B-1CB1A1850DF4}" type="slidenum">
               <a:rPr/>
+              <a:pPr/>
               <a:t>‹#›</a:t>
             </a:fld>
             <a:endParaRPr/>
@@ -3844,13 +3855,13 @@
   <p:clrMapOvr>
     <a:masterClrMapping/>
   </p:clrMapOvr>
-  <mc:AlternateContent xmlns:mc="http://schemas.openxmlformats.org/markup-compatibility/2006" xmlns:p14="http://schemas.microsoft.com/office/powerpoint/2010/main">
-    <mc:Choice Requires="p14">
+  <mc:AlternateContent xmlns:mc="http://schemas.openxmlformats.org/markup-compatibility/2006">
+    <mc:Choice xmlns:p14="http://schemas.microsoft.com/office/powerpoint/2010/main" xmlns="" Requires="p14">
       <p:transition spd="med" p14:dur="700">
         <p:fade/>
       </p:transition>
     </mc:Choice>
-    <mc:Fallback xmlns="">
+    <mc:Fallback>
       <p:transition spd="med">
         <p:fade/>
       </p:transition>
@@ -3881,13 +3892,13 @@
   <p:clrMapOvr>
     <a:masterClrMapping/>
   </p:clrMapOvr>
-  <mc:AlternateContent xmlns:mc="http://schemas.openxmlformats.org/markup-compatibility/2006" xmlns:p14="http://schemas.microsoft.com/office/powerpoint/2010/main">
-    <mc:Choice Requires="p14">
+  <mc:AlternateContent xmlns:mc="http://schemas.openxmlformats.org/markup-compatibility/2006">
+    <mc:Choice xmlns:p14="http://schemas.microsoft.com/office/powerpoint/2010/main" xmlns="" Requires="p14">
       <p:transition spd="med" p14:dur="700">
         <p:fade/>
       </p:transition>
     </mc:Choice>
-    <mc:Fallback xmlns="">
+    <mc:Fallback>
       <p:transition spd="med">
         <p:fade/>
       </p:transition>
@@ -4159,13 +4170,13 @@
   <p:clrMapOvr>
     <a:masterClrMapping/>
   </p:clrMapOvr>
-  <mc:AlternateContent xmlns:mc="http://schemas.openxmlformats.org/markup-compatibility/2006" xmlns:p14="http://schemas.microsoft.com/office/powerpoint/2010/main">
-    <mc:Choice Requires="p14">
+  <mc:AlternateContent xmlns:mc="http://schemas.openxmlformats.org/markup-compatibility/2006">
+    <mc:Choice xmlns:p14="http://schemas.microsoft.com/office/powerpoint/2010/main" xmlns="" Requires="p14">
       <p:transition spd="med" p14:dur="700">
         <p:fade/>
       </p:transition>
     </mc:Choice>
-    <mc:Fallback xmlns="">
+    <mc:Fallback>
       <p:transition spd="med">
         <p:fade/>
       </p:transition>
@@ -4911,13 +4922,13 @@
   <p:clrMapOvr>
     <a:masterClrMapping/>
   </p:clrMapOvr>
-  <mc:AlternateContent xmlns:mc="http://schemas.openxmlformats.org/markup-compatibility/2006" xmlns:p14="http://schemas.microsoft.com/office/powerpoint/2010/main">
-    <mc:Choice Requires="p14">
+  <mc:AlternateContent xmlns:mc="http://schemas.openxmlformats.org/markup-compatibility/2006">
+    <mc:Choice xmlns:p14="http://schemas.microsoft.com/office/powerpoint/2010/main" xmlns="" Requires="p14">
       <p:transition spd="med" p14:dur="700">
         <p:fade/>
       </p:transition>
     </mc:Choice>
-    <mc:Fallback xmlns="">
+    <mc:Fallback>
       <p:transition spd="med">
         <p:fade/>
       </p:transition>
@@ -5171,13 +5182,13 @@
     <p:sldLayoutId id="2147483678" r:id="rId11"/>
     <p:sldLayoutId id="2147483679" r:id="rId12"/>
   </p:sldLayoutIdLst>
-  <mc:AlternateContent xmlns:mc="http://schemas.openxmlformats.org/markup-compatibility/2006" xmlns:p14="http://schemas.microsoft.com/office/powerpoint/2010/main">
-    <mc:Choice Requires="p14">
+  <mc:AlternateContent xmlns:mc="http://schemas.openxmlformats.org/markup-compatibility/2006">
+    <mc:Choice xmlns:p14="http://schemas.microsoft.com/office/powerpoint/2010/main" xmlns="" Requires="p14">
       <p:transition spd="med" p14:dur="700">
         <p:fade/>
       </p:transition>
     </mc:Choice>
-    <mc:Fallback xmlns="">
+    <mc:Fallback>
       <p:transition spd="med">
         <p:fade/>
       </p:transition>
@@ -5499,7 +5510,7 @@
   </p:txStyles>
   <p:extLst mod="1">
     <p:ext uri="{27BBF7A9-308A-43DC-89C8-2F10F3537804}">
-      <p15:sldGuideLst xmlns:p15="http://schemas.microsoft.com/office/powerpoint/2012/main">
+      <p15:sldGuideLst xmlns:p15="http://schemas.microsoft.com/office/powerpoint/2012/main" xmlns="">
         <p15:guide id="1" orient="horz" pos="2160" userDrawn="1">
           <p15:clr>
             <a:srgbClr val="F26B43"/>
@@ -5549,23 +5560,14 @@
           <a:lstStyle/>
           <a:p>
             <a:r>
-              <a:rPr lang="en-US" dirty="0"/>
-              <a:t>Group 4’s </a:t>
-            </a:r>
-            <a:br>
-              <a:rPr lang="en-US" dirty="0"/>
-            </a:br>
-            <a:r>
-              <a:rPr lang="en-US" dirty="0"/>
-              <a:t>autonomous search and destroy </a:t>
-            </a:r>
-            <a:br>
-              <a:rPr lang="en-US" dirty="0"/>
-            </a:br>
-            <a:r>
-              <a:rPr lang="en-US" dirty="0"/>
-              <a:t>Initial presentation</a:t>
-            </a:r>
+              <a:rPr lang="en-US" dirty="0" smtClean="0"/>
+              <a:t>Initia</a:t>
+            </a:r>
+            <a:r>
+              <a:rPr lang="en-US" dirty="0" smtClean="0"/>
+              <a:t>l Design review</a:t>
+            </a:r>
+            <a:endParaRPr lang="en-US" dirty="0"/>
           </a:p>
         </p:txBody>
       </p:sp>
@@ -5582,51 +5584,45 @@
         <p:spPr/>
         <p:txBody>
           <a:bodyPr>
-            <a:normAutofit fontScale="92500" lnSpcReduction="20000"/>
+            <a:normAutofit/>
           </a:bodyPr>
           <a:lstStyle/>
           <a:p>
             <a:r>
-              <a:rPr lang="en-US" dirty="0"/>
-              <a:t>Alejandro Garcia</a:t>
-            </a:r>
-          </a:p>
-          <a:p>
-            <a:r>
-              <a:rPr lang="en-US" dirty="0"/>
-              <a:t>David </a:t>
-            </a:r>
-            <a:r>
-              <a:rPr lang="en-US" dirty="0" err="1"/>
+              <a:rPr lang="en-US" dirty="0" smtClean="0"/>
+              <a:t>Group 4</a:t>
+            </a:r>
+          </a:p>
+          <a:p>
+            <a:r>
+              <a:rPr lang="en-US" sz="2000" dirty="0" smtClean="0"/>
+              <a:t>Alejandro Garcia, Lora Milam, David </a:t>
+            </a:r>
+            <a:r>
+              <a:rPr lang="en-US" sz="2000" dirty="0" err="1" smtClean="0"/>
               <a:t>Ozoude</a:t>
             </a:r>
-            <a:endParaRPr lang="en-US" dirty="0"/>
-          </a:p>
-          <a:p>
-            <a:r>
-              <a:rPr lang="en-US" dirty="0"/>
-              <a:t>Lora Milam</a:t>
-            </a:r>
+            <a:endParaRPr lang="en-US" sz="2000" dirty="0"/>
           </a:p>
         </p:txBody>
       </p:sp>
     </p:spTree>
     <p:extLst>
       <p:ext uri="{BB962C8B-B14F-4D97-AF65-F5344CB8AC3E}">
-        <p14:creationId xmlns:p14="http://schemas.microsoft.com/office/powerpoint/2010/main" val="1082871649"/>
+        <p14:creationId xmlns:p14="http://schemas.microsoft.com/office/powerpoint/2010/main" xmlns="" val="1082871649"/>
       </p:ext>
     </p:extLst>
   </p:cSld>
   <p:clrMapOvr>
     <a:masterClrMapping/>
   </p:clrMapOvr>
-  <mc:AlternateContent xmlns:mc="http://schemas.openxmlformats.org/markup-compatibility/2006" xmlns:p14="http://schemas.microsoft.com/office/powerpoint/2010/main">
-    <mc:Choice Requires="p14">
+  <mc:AlternateContent xmlns:mc="http://schemas.openxmlformats.org/markup-compatibility/2006">
+    <mc:Choice xmlns:p14="http://schemas.microsoft.com/office/powerpoint/2010/main" xmlns="" Requires="p14">
       <p:transition spd="med" p14:dur="700">
         <p:fade/>
       </p:transition>
     </mc:Choice>
-    <mc:Fallback xmlns="">
+    <mc:Fallback>
       <p:transition spd="med">
         <p:fade/>
       </p:transition>
@@ -5686,39 +5682,46 @@
         </p:nvSpPr>
         <p:spPr/>
         <p:txBody>
-          <a:bodyPr>
-            <a:normAutofit/>
-          </a:bodyPr>
+          <a:bodyPr/>
           <a:lstStyle/>
           <a:p>
             <a:r>
-              <a:rPr lang="en-US" dirty="0"/>
-              <a:t>Problem Statement</a:t>
-            </a:r>
-          </a:p>
-          <a:p>
-            <a:r>
-              <a:rPr lang="en-US" dirty="0"/>
-              <a:t>Hardware Block Schematic</a:t>
-            </a:r>
-          </a:p>
-          <a:p>
-            <a:r>
-              <a:rPr lang="en-US" dirty="0"/>
+              <a:rPr lang="en-US" dirty="0" smtClean="0"/>
+              <a:t>Hardware Blocks</a:t>
+            </a:r>
+          </a:p>
+          <a:p>
+            <a:r>
+              <a:rPr lang="en-US" dirty="0" smtClean="0"/>
+              <a:t>Circuit Blocks</a:t>
+            </a:r>
+          </a:p>
+          <a:p>
+            <a:r>
+              <a:rPr lang="en-US" dirty="0" smtClean="0"/>
+              <a:t>Firing mechanism</a:t>
+            </a:r>
+            <a:endParaRPr lang="en-US" dirty="0" smtClean="0"/>
+          </a:p>
+          <a:p>
+            <a:r>
+              <a:rPr lang="en-US" dirty="0" smtClean="0"/>
               <a:t>Software Flowchart</a:t>
             </a:r>
-          </a:p>
-          <a:p>
-            <a:r>
-              <a:rPr lang="en-US" dirty="0"/>
-              <a:t>Roadmap</a:t>
-            </a:r>
-          </a:p>
-          <a:p>
-            <a:r>
-              <a:rPr lang="en-US" dirty="0"/>
+            <a:endParaRPr lang="en-US" dirty="0"/>
+          </a:p>
+          <a:p>
+            <a:r>
+              <a:rPr lang="en-US" dirty="0" smtClean="0"/>
+              <a:t>Roadmap/Milestones</a:t>
+            </a:r>
+          </a:p>
+          <a:p>
+            <a:r>
+              <a:rPr lang="en-US" dirty="0" smtClean="0"/>
               <a:t>Budget</a:t>
             </a:r>
+            <a:endParaRPr lang="en-US" dirty="0"/>
           </a:p>
         </p:txBody>
       </p:sp>
@@ -5739,6 +5742,7 @@
           <a:p>
             <a:fld id="{E5FD5434-F838-4DD4-A17B-1CB1A1850DF4}" type="slidenum">
               <a:rPr lang="en-US" smtClean="0"/>
+              <a:pPr/>
               <a:t>2</a:t>
             </a:fld>
             <a:endParaRPr lang="en-US"/>
@@ -5748,20 +5752,20 @@
     </p:spTree>
     <p:extLst>
       <p:ext uri="{BB962C8B-B14F-4D97-AF65-F5344CB8AC3E}">
-        <p14:creationId xmlns:p14="http://schemas.microsoft.com/office/powerpoint/2010/main" val="1795219737"/>
+        <p14:creationId xmlns:p14="http://schemas.microsoft.com/office/powerpoint/2010/main" xmlns="" val="1795219737"/>
       </p:ext>
     </p:extLst>
   </p:cSld>
   <p:clrMapOvr>
     <a:masterClrMapping/>
   </p:clrMapOvr>
-  <mc:AlternateContent xmlns:mc="http://schemas.openxmlformats.org/markup-compatibility/2006" xmlns:p14="http://schemas.microsoft.com/office/powerpoint/2010/main">
-    <mc:Choice Requires="p14">
+  <mc:AlternateContent xmlns:mc="http://schemas.openxmlformats.org/markup-compatibility/2006">
+    <mc:Choice xmlns:p14="http://schemas.microsoft.com/office/powerpoint/2010/main" xmlns="" Requires="p14">
       <p:transition spd="med" p14:dur="700">
         <p:fade/>
       </p:transition>
     </mc:Choice>
-    <mc:Fallback xmlns="">
+    <mc:Fallback>
       <p:transition spd="med">
         <p:fade/>
       </p:transition>
@@ -5789,13 +5793,7 @@
       </p:grpSpPr>
       <p:sp>
         <p:nvSpPr>
-          <p:cNvPr id="2" name="Title 1">
-            <a:extLst>
-              <a:ext uri="{FF2B5EF4-FFF2-40B4-BE49-F238E27FC236}">
-                <a16:creationId xmlns:a16="http://schemas.microsoft.com/office/drawing/2014/main" id="{740821BE-13E4-4422-8614-670A30FA6487}"/>
-              </a:ext>
-            </a:extLst>
-          </p:cNvPr>
+          <p:cNvPr id="2" name="Title 1"/>
           <p:cNvSpPr>
             <a:spLocks noGrp="1"/>
           </p:cNvSpPr>
@@ -5810,20 +5808,19 @@
           <a:p>
             <a:r>
               <a:rPr lang="en-US" dirty="0"/>
-              <a:t>Problem statement</a:t>
-            </a:r>
-          </a:p>
-        </p:txBody>
-      </p:sp>
-      <p:sp>
-        <p:nvSpPr>
-          <p:cNvPr id="3" name="Content Placeholder 2">
-            <a:extLst>
-              <a:ext uri="{FF2B5EF4-FFF2-40B4-BE49-F238E27FC236}">
-                <a16:creationId xmlns:a16="http://schemas.microsoft.com/office/drawing/2014/main" id="{CF3AE103-B6AA-48DE-B22C-FCBE02543E07}"/>
-              </a:ext>
-            </a:extLst>
-          </p:cNvPr>
+              <a:t>Hardware </a:t>
+            </a:r>
+            <a:r>
+              <a:rPr lang="en-US" dirty="0" err="1" smtClean="0"/>
+              <a:t>BlocKs</a:t>
+            </a:r>
+            <a:endParaRPr lang="en-US" dirty="0"/>
+          </a:p>
+        </p:txBody>
+      </p:sp>
+      <p:sp>
+        <p:nvSpPr>
+          <p:cNvPr id="3" name="Content Placeholder 2"/>
           <p:cNvSpPr>
             <a:spLocks noGrp="1"/>
           </p:cNvSpPr>
@@ -5833,48 +5830,36 @@
         </p:nvSpPr>
         <p:spPr/>
         <p:txBody>
-          <a:bodyPr>
-            <a:normAutofit fontScale="92500" lnSpcReduction="10000"/>
-          </a:bodyPr>
+          <a:bodyPr/>
           <a:lstStyle/>
           <a:p>
             <a:r>
-              <a:rPr lang="en-US" dirty="0"/>
-              <a:t>Create an autonomous vehicle that follows a track of 1” reflective tape and stops at three points, indicated by 1” by 2” rectangle of bright red tape, along the track to fire a projectile at a target either to the right or left of the track. </a:t>
-            </a:r>
-          </a:p>
-          <a:p>
-            <a:r>
-              <a:rPr lang="en-US" dirty="0"/>
-              <a:t>The targets will have a white LED flashing at a frequency of approximately 20 Hz. They will be 12 inches in diameter with the bull’s eye placed 1.5 feet off the floor. </a:t>
-            </a:r>
-          </a:p>
-          <a:p>
-            <a:r>
-              <a:rPr lang="en-US" dirty="0"/>
-              <a:t>The three targets will be placed at distances of 2, 4, and 6 feet from the track.</a:t>
-            </a:r>
-          </a:p>
-          <a:p>
-            <a:r>
-              <a:rPr lang="en-US" dirty="0"/>
-              <a:t>After the 3rd target, it will return to the start of the track which will be indicated by a 1” by 2” rectangle of green tape.</a:t>
-            </a:r>
-          </a:p>
-          <a:p>
+              <a:rPr lang="en-US" dirty="0" smtClean="0"/>
+              <a:t>Rover Chassis</a:t>
+            </a:r>
+          </a:p>
+          <a:p>
+            <a:r>
+              <a:rPr lang="en-US" dirty="0" err="1" smtClean="0"/>
+              <a:t>Basys</a:t>
+            </a:r>
+            <a:r>
+              <a:rPr lang="en-US" dirty="0" smtClean="0"/>
+              <a:t> 3 board</a:t>
+            </a:r>
+          </a:p>
+          <a:p>
+            <a:r>
+              <a:rPr lang="en-US" dirty="0" smtClean="0"/>
+              <a:t>Power supply</a:t>
+            </a:r>
             <a:endParaRPr lang="en-US" dirty="0"/>
           </a:p>
         </p:txBody>
       </p:sp>
       <p:sp>
         <p:nvSpPr>
-          <p:cNvPr id="4" name="Slide Number Placeholder 3">
-            <a:extLst>
-              <a:ext uri="{FF2B5EF4-FFF2-40B4-BE49-F238E27FC236}">
-                <a16:creationId xmlns:a16="http://schemas.microsoft.com/office/drawing/2014/main" id="{48B23E08-9485-4C3B-818F-588A2D538D5F}"/>
-              </a:ext>
-            </a:extLst>
-          </p:cNvPr>
+          <p:cNvPr id="4" name="Slide Number Placeholder 3"/>
           <p:cNvSpPr>
             <a:spLocks noGrp="1"/>
           </p:cNvSpPr>
@@ -5889,6 +5874,7 @@
           <a:p>
             <a:fld id="{E5FD5434-F838-4DD4-A17B-1CB1A1850DF4}" type="slidenum">
               <a:rPr lang="en-US" smtClean="0"/>
+              <a:pPr/>
               <a:t>3</a:t>
             </a:fld>
             <a:endParaRPr lang="en-US"/>
@@ -5898,20 +5884,20 @@
     </p:spTree>
     <p:extLst>
       <p:ext uri="{BB962C8B-B14F-4D97-AF65-F5344CB8AC3E}">
-        <p14:creationId xmlns:p14="http://schemas.microsoft.com/office/powerpoint/2010/main" val="383575293"/>
+        <p14:creationId xmlns:p14="http://schemas.microsoft.com/office/powerpoint/2010/main" xmlns="" val="814150873"/>
       </p:ext>
     </p:extLst>
   </p:cSld>
   <p:clrMapOvr>
     <a:masterClrMapping/>
   </p:clrMapOvr>
-  <mc:AlternateContent xmlns:mc="http://schemas.openxmlformats.org/markup-compatibility/2006" xmlns:p14="http://schemas.microsoft.com/office/powerpoint/2010/main">
-    <mc:Choice Requires="p14">
+  <mc:AlternateContent xmlns:mc="http://schemas.openxmlformats.org/markup-compatibility/2006">
+    <mc:Choice xmlns:p14="http://schemas.microsoft.com/office/powerpoint/2010/main" xmlns="" Requires="p14">
       <p:transition spd="med" p14:dur="700">
         <p:fade/>
       </p:transition>
     </mc:Choice>
-    <mc:Fallback xmlns="">
+    <mc:Fallback>
       <p:transition spd="med">
         <p:fade/>
       </p:transition>
@@ -5953,9 +5939,10 @@
           <a:lstStyle/>
           <a:p>
             <a:r>
-              <a:rPr lang="en-US" dirty="0"/>
-              <a:t>Hardware Block Schematic</a:t>
-            </a:r>
+              <a:rPr lang="en-US" dirty="0" smtClean="0"/>
+              <a:t>Circuit Blocks</a:t>
+            </a:r>
+            <a:endParaRPr lang="en-US" dirty="0"/>
           </a:p>
         </p:txBody>
       </p:sp>
@@ -5975,9 +5962,24 @@
           <a:lstStyle/>
           <a:p>
             <a:r>
-              <a:rPr lang="en-US" dirty="0"/>
-              <a:t>Smartdraw.com?</a:t>
-            </a:r>
+              <a:rPr lang="en-US" dirty="0" smtClean="0"/>
+              <a:t>Light Filtering  and detection circuit</a:t>
+            </a:r>
+          </a:p>
+          <a:p>
+            <a:r>
+              <a:rPr lang="en-US" dirty="0" smtClean="0"/>
+              <a:t>H-Bridge motor control circuit</a:t>
+            </a:r>
+          </a:p>
+          <a:p>
+            <a:r>
+              <a:rPr lang="en-US" dirty="0" smtClean="0"/>
+              <a:t>Tape detection circuit</a:t>
+            </a:r>
+          </a:p>
+          <a:p>
+            <a:endParaRPr lang="en-US" dirty="0"/>
           </a:p>
         </p:txBody>
       </p:sp>
@@ -5998,6 +6000,7 @@
           <a:p>
             <a:fld id="{E5FD5434-F838-4DD4-A17B-1CB1A1850DF4}" type="slidenum">
               <a:rPr lang="en-US" smtClean="0"/>
+              <a:pPr/>
               <a:t>4</a:t>
             </a:fld>
             <a:endParaRPr lang="en-US"/>
@@ -6005,22 +6008,17 @@
         </p:txBody>
       </p:sp>
     </p:spTree>
-    <p:extLst>
-      <p:ext uri="{BB962C8B-B14F-4D97-AF65-F5344CB8AC3E}">
-        <p14:creationId xmlns:p14="http://schemas.microsoft.com/office/powerpoint/2010/main" val="814150873"/>
-      </p:ext>
-    </p:extLst>
   </p:cSld>
   <p:clrMapOvr>
     <a:masterClrMapping/>
   </p:clrMapOvr>
-  <mc:AlternateContent xmlns:mc="http://schemas.openxmlformats.org/markup-compatibility/2006" xmlns:p14="http://schemas.microsoft.com/office/powerpoint/2010/main">
-    <mc:Choice Requires="p14">
+  <mc:AlternateContent xmlns:mc="http://schemas.openxmlformats.org/markup-compatibility/2006">
+    <mc:Choice xmlns:p14="http://schemas.microsoft.com/office/powerpoint/2010/main" xmlns="" Requires="p14">
       <p:transition spd="med" p14:dur="700">
         <p:fade/>
       </p:transition>
     </mc:Choice>
-    <mc:Fallback xmlns="">
+    <mc:Fallback>
       <p:transition spd="med">
         <p:fade/>
       </p:transition>
@@ -6085,6 +6083,7 @@
           <a:p>
             <a:fld id="{E5FD5434-F838-4DD4-A17B-1CB1A1850DF4}" type="slidenum">
               <a:rPr lang="en-US" smtClean="0"/>
+              <a:pPr/>
               <a:t>5</a:t>
             </a:fld>
             <a:endParaRPr lang="en-US"/>
@@ -6096,7 +6095,7 @@
           <p:cNvPr id="7" name="Picture 6">
             <a:extLst>
               <a:ext uri="{FF2B5EF4-FFF2-40B4-BE49-F238E27FC236}">
-                <a16:creationId xmlns:a16="http://schemas.microsoft.com/office/drawing/2014/main" id="{6AB24FEF-E059-4941-9B20-078FCD2B4E96}"/>
+                <a16:creationId xmlns:a16="http://schemas.microsoft.com/office/drawing/2014/main" xmlns="" id="{6AB24FEF-E059-4941-9B20-078FCD2B4E96}"/>
               </a:ext>
             </a:extLst>
           </p:cNvPr>
@@ -6106,7 +6105,7 @@
           <p:nvPr/>
         </p:nvPicPr>
         <p:blipFill>
-          <a:blip r:embed="rId2"/>
+          <a:blip r:embed="rId2" cstate="print"/>
           <a:stretch>
             <a:fillRect/>
           </a:stretch>
@@ -6124,20 +6123,20 @@
     </p:spTree>
     <p:extLst>
       <p:ext uri="{BB962C8B-B14F-4D97-AF65-F5344CB8AC3E}">
-        <p14:creationId xmlns:p14="http://schemas.microsoft.com/office/powerpoint/2010/main" val="3484462034"/>
+        <p14:creationId xmlns:p14="http://schemas.microsoft.com/office/powerpoint/2010/main" xmlns="" val="3484462034"/>
       </p:ext>
     </p:extLst>
   </p:cSld>
   <p:clrMapOvr>
     <a:masterClrMapping/>
   </p:clrMapOvr>
-  <mc:AlternateContent xmlns:mc="http://schemas.openxmlformats.org/markup-compatibility/2006" xmlns:p14="http://schemas.microsoft.com/office/powerpoint/2010/main">
-    <mc:Choice Requires="p14">
+  <mc:AlternateContent xmlns:mc="http://schemas.openxmlformats.org/markup-compatibility/2006">
+    <mc:Choice xmlns:p14="http://schemas.microsoft.com/office/powerpoint/2010/main" xmlns="" Requires="p14">
       <p:transition spd="med" p14:dur="700">
         <p:fade/>
       </p:transition>
     </mc:Choice>
-    <mc:Fallback xmlns="">
+    <mc:Fallback>
       <p:transition spd="med">
         <p:fade/>
       </p:transition>
@@ -6202,6 +6201,7 @@
           <a:p>
             <a:fld id="{E5FD5434-F838-4DD4-A17B-1CB1A1850DF4}" type="slidenum">
               <a:rPr lang="en-US" smtClean="0"/>
+              <a:pPr/>
               <a:t>6</a:t>
             </a:fld>
             <a:endParaRPr lang="en-US"/>
@@ -6213,7 +6213,7 @@
           <p:cNvPr id="4" name="Picture 3">
             <a:extLst>
               <a:ext uri="{FF2B5EF4-FFF2-40B4-BE49-F238E27FC236}">
-                <a16:creationId xmlns:a16="http://schemas.microsoft.com/office/drawing/2014/main" id="{B008608D-E8D6-4122-A6FC-3BBFF236992C}"/>
+                <a16:creationId xmlns:a16="http://schemas.microsoft.com/office/drawing/2014/main" xmlns="" id="{B008608D-E8D6-4122-A6FC-3BBFF236992C}"/>
               </a:ext>
             </a:extLst>
           </p:cNvPr>
@@ -6223,7 +6223,7 @@
           <p:nvPr/>
         </p:nvPicPr>
         <p:blipFill>
-          <a:blip r:embed="rId2"/>
+          <a:blip r:embed="rId2" cstate="print"/>
           <a:stretch>
             <a:fillRect/>
           </a:stretch>
@@ -6241,20 +6241,20 @@
     </p:spTree>
     <p:extLst>
       <p:ext uri="{BB962C8B-B14F-4D97-AF65-F5344CB8AC3E}">
-        <p14:creationId xmlns:p14="http://schemas.microsoft.com/office/powerpoint/2010/main" val="820908939"/>
+        <p14:creationId xmlns:p14="http://schemas.microsoft.com/office/powerpoint/2010/main" xmlns="" val="820908939"/>
       </p:ext>
     </p:extLst>
   </p:cSld>
   <p:clrMapOvr>
     <a:masterClrMapping/>
   </p:clrMapOvr>
-  <mc:AlternateContent xmlns:mc="http://schemas.openxmlformats.org/markup-compatibility/2006" xmlns:p14="http://schemas.microsoft.com/office/powerpoint/2010/main">
-    <mc:Choice Requires="p14">
+  <mc:AlternateContent xmlns:mc="http://schemas.openxmlformats.org/markup-compatibility/2006">
+    <mc:Choice xmlns:p14="http://schemas.microsoft.com/office/powerpoint/2010/main" xmlns="" Requires="p14">
       <p:transition spd="med" p14:dur="700">
         <p:fade/>
       </p:transition>
     </mc:Choice>
-    <mc:Fallback xmlns="">
+    <mc:Fallback>
       <p:transition spd="med">
         <p:fade/>
       </p:transition>
@@ -6304,6 +6304,28 @@
       </p:sp>
       <p:sp>
         <p:nvSpPr>
+          <p:cNvPr id="3" name="Content Placeholder 2"/>
+          <p:cNvSpPr>
+            <a:spLocks noGrp="1"/>
+          </p:cNvSpPr>
+          <p:nvPr>
+            <p:ph idx="1"/>
+          </p:nvPr>
+        </p:nvSpPr>
+        <p:spPr/>
+        <p:txBody>
+          <a:bodyPr/>
+          <a:lstStyle/>
+          <a:p>
+            <a:pPr marL="0" indent="0">
+              <a:buNone/>
+            </a:pPr>
+            <a:endParaRPr lang="en-US" dirty="0"/>
+          </a:p>
+        </p:txBody>
+      </p:sp>
+      <p:sp>
+        <p:nvSpPr>
           <p:cNvPr id="4" name="Slide Number Placeholder 3"/>
           <p:cNvSpPr>
             <a:spLocks noGrp="1"/>
@@ -6319,6 +6341,7 @@
           <a:p>
             <a:fld id="{E5FD5434-F838-4DD4-A17B-1CB1A1850DF4}" type="slidenum">
               <a:rPr lang="en-US" smtClean="0"/>
+              <a:pPr/>
               <a:t>7</a:t>
             </a:fld>
             <a:endParaRPr lang="en-US"/>
@@ -6327,51 +6350,53 @@
       </p:sp>
       <p:pic>
         <p:nvPicPr>
-          <p:cNvPr id="9" name="Picture 8">
-            <a:extLst>
-              <a:ext uri="{FF2B5EF4-FFF2-40B4-BE49-F238E27FC236}">
-                <a16:creationId xmlns:a16="http://schemas.microsoft.com/office/drawing/2014/main" id="{FB9CCFC8-E6EA-44A7-8015-283D7525EEAE}"/>
-              </a:ext>
-            </a:extLst>
-          </p:cNvPr>
+          <p:cNvPr id="1026" name="Picture 2"/>
           <p:cNvPicPr>
-            <a:picLocks noChangeAspect="1"/>
+            <a:picLocks noChangeAspect="1" noChangeArrowheads="1"/>
           </p:cNvPicPr>
           <p:nvPr/>
         </p:nvPicPr>
         <p:blipFill>
-          <a:blip r:embed="rId2"/>
+          <a:blip r:embed="rId2" cstate="print"/>
+          <a:srcRect l="1862" t="21111" r="62513" b="34444"/>
           <a:stretch>
             <a:fillRect/>
           </a:stretch>
         </p:blipFill>
-        <p:spPr>
+        <p:spPr bwMode="auto">
           <a:xfrm>
-            <a:off x="2368735" y="1767312"/>
-            <a:ext cx="7451354" cy="4709688"/>
+            <a:off x="912812" y="1828800"/>
+            <a:ext cx="10363200" cy="4419600"/>
           </a:xfrm>
           <a:prstGeom prst="rect">
             <a:avLst/>
           </a:prstGeom>
+          <a:noFill/>
+          <a:ln w="9525">
+            <a:noFill/>
+            <a:miter lim="800000"/>
+            <a:headEnd/>
+            <a:tailEnd/>
+          </a:ln>
         </p:spPr>
       </p:pic>
     </p:spTree>
     <p:extLst>
       <p:ext uri="{BB962C8B-B14F-4D97-AF65-F5344CB8AC3E}">
-        <p14:creationId xmlns:p14="http://schemas.microsoft.com/office/powerpoint/2010/main" val="2857657115"/>
+        <p14:creationId xmlns:p14="http://schemas.microsoft.com/office/powerpoint/2010/main" xmlns="" val="2857657115"/>
       </p:ext>
     </p:extLst>
   </p:cSld>
   <p:clrMapOvr>
     <a:masterClrMapping/>
   </p:clrMapOvr>
-  <mc:AlternateContent xmlns:mc="http://schemas.openxmlformats.org/markup-compatibility/2006" xmlns:p14="http://schemas.microsoft.com/office/powerpoint/2010/main">
-    <mc:Choice Requires="p14">
+  <mc:AlternateContent xmlns:mc="http://schemas.openxmlformats.org/markup-compatibility/2006">
+    <mc:Choice xmlns:p14="http://schemas.microsoft.com/office/powerpoint/2010/main" xmlns="" Requires="p14">
       <p:transition spd="med" p14:dur="700">
         <p:fade/>
       </p:transition>
     </mc:Choice>
-    <mc:Fallback xmlns="">
+    <mc:Fallback>
       <p:transition spd="med">
         <p:fade/>
       </p:transition>
@@ -6435,33 +6460,40 @@
           <a:lstStyle/>
           <a:p>
             <a:r>
-              <a:rPr lang="en-US" dirty="0"/>
-              <a:t>Problem Statement</a:t>
-            </a:r>
-          </a:p>
-          <a:p>
-            <a:r>
-              <a:rPr lang="en-US" dirty="0"/>
-              <a:t>Hardware Block Schematic</a:t>
-            </a:r>
-          </a:p>
-          <a:p>
-            <a:r>
-              <a:rPr lang="en-US" dirty="0"/>
-              <a:t>Software Flowchart</a:t>
-            </a:r>
-          </a:p>
-          <a:p>
-            <a:r>
-              <a:rPr lang="en-US" dirty="0"/>
-              <a:t>Roadmap</a:t>
-            </a:r>
-          </a:p>
-          <a:p>
-            <a:r>
-              <a:rPr lang="en-US" dirty="0"/>
-              <a:t>Budget</a:t>
-            </a:r>
+              <a:rPr lang="en-US" dirty="0" smtClean="0"/>
+              <a:t>What  hardware components do we need. </a:t>
+            </a:r>
+            <a:endParaRPr lang="en-US" dirty="0"/>
+          </a:p>
+          <a:p>
+            <a:r>
+              <a:rPr lang="en-US" dirty="0" smtClean="0"/>
+              <a:t>What are we trying to do with the software.</a:t>
+            </a:r>
+          </a:p>
+          <a:p>
+            <a:r>
+              <a:rPr lang="en-US" dirty="0" smtClean="0"/>
+              <a:t>Quick overview of milestones</a:t>
+            </a:r>
+          </a:p>
+          <a:p>
+            <a:r>
+              <a:rPr lang="en-US" dirty="0" smtClean="0"/>
+              <a:t>Overview of </a:t>
+            </a:r>
+            <a:r>
+              <a:rPr lang="en-US" dirty="0" err="1" smtClean="0"/>
+              <a:t>bugdet</a:t>
+            </a:r>
+            <a:r>
+              <a:rPr lang="en-US" dirty="0" smtClean="0"/>
+              <a:t>.</a:t>
+            </a:r>
+            <a:endParaRPr lang="en-US" dirty="0"/>
+          </a:p>
+          <a:p>
+            <a:endParaRPr lang="en-US" dirty="0"/>
           </a:p>
         </p:txBody>
       </p:sp>
@@ -6482,6 +6514,7 @@
           <a:p>
             <a:fld id="{E5FD5434-F838-4DD4-A17B-1CB1A1850DF4}" type="slidenum">
               <a:rPr lang="en-US" smtClean="0"/>
+              <a:pPr/>
               <a:t>8</a:t>
             </a:fld>
             <a:endParaRPr lang="en-US"/>
@@ -6491,20 +6524,20 @@
     </p:spTree>
     <p:extLst>
       <p:ext uri="{BB962C8B-B14F-4D97-AF65-F5344CB8AC3E}">
-        <p14:creationId xmlns:p14="http://schemas.microsoft.com/office/powerpoint/2010/main" val="2996388540"/>
+        <p14:creationId xmlns:p14="http://schemas.microsoft.com/office/powerpoint/2010/main" xmlns="" val="2996388540"/>
       </p:ext>
     </p:extLst>
   </p:cSld>
   <p:clrMapOvr>
     <a:masterClrMapping/>
   </p:clrMapOvr>
-  <mc:AlternateContent xmlns:mc="http://schemas.openxmlformats.org/markup-compatibility/2006" xmlns:p14="http://schemas.microsoft.com/office/powerpoint/2010/main">
-    <mc:Choice Requires="p14">
+  <mc:AlternateContent xmlns:mc="http://schemas.openxmlformats.org/markup-compatibility/2006">
+    <mc:Choice xmlns:p14="http://schemas.microsoft.com/office/powerpoint/2010/main" xmlns="" Requires="p14">
       <p:transition spd="med" p14:dur="700">
         <p:fade/>
       </p:transition>
     </mc:Choice>
-    <mc:Fallback xmlns="">
+    <mc:Fallback>
       <p:transition spd="med">
         <p:fade/>
       </p:transition>
@@ -6546,9 +6579,10 @@
           <a:lstStyle/>
           <a:p>
             <a:r>
-              <a:rPr lang="en-US" dirty="0"/>
-              <a:t>Works cited</a:t>
-            </a:r>
+              <a:rPr lang="en-US" dirty="0" smtClean="0"/>
+              <a:t>Work Cited</a:t>
+            </a:r>
+            <a:endParaRPr lang="en-US" dirty="0"/>
           </a:p>
         </p:txBody>
       </p:sp>
@@ -6568,33 +6602,43 @@
           <a:lstStyle/>
           <a:p>
             <a:r>
-              <a:rPr lang="en-US" dirty="0">
+              <a:rPr lang="en-US" dirty="0" smtClean="0">
                 <a:hlinkClick r:id="rId2"/>
               </a:rPr>
-              <a:t>https://www.draw.io/</a:t>
-            </a:r>
-            <a:endParaRPr lang="en-US" dirty="0"/>
-          </a:p>
-          <a:p>
-            <a:r>
-              <a:rPr lang="en-US" dirty="0">
+              <a:t>http://</a:t>
+            </a:r>
+            <a:r>
+              <a:rPr lang="en-US" dirty="0" smtClean="0">
+                <a:hlinkClick r:id="rId2"/>
+              </a:rPr>
+              <a:t>www.electronics-tutorials.ws/filter/filter_7.html</a:t>
+            </a:r>
+            <a:endParaRPr lang="en-US" dirty="0" smtClean="0"/>
+          </a:p>
+          <a:p>
+            <a:r>
+              <a:rPr lang="en-US" smtClean="0">
                 <a:hlinkClick r:id="rId3"/>
               </a:rPr>
-              <a:t>https://app.smartsheet.com/b/home</a:t>
-            </a:r>
-            <a:endParaRPr lang="en-US" dirty="0"/>
-          </a:p>
-          <a:p>
-            <a:r>
-              <a:rPr lang="en-US" dirty="0">
-                <a:hlinkClick r:id="rId4"/>
+              <a:t>http://</a:t>
+            </a:r>
+            <a:r>
+              <a:rPr lang="en-US" smtClean="0">
+                <a:hlinkClick r:id="rId3"/>
               </a:rPr>
-              <a:t>https://ttu.blackboard.com/webapps/blackboard/execute/content/file?cmd=view&amp;content_id=_3001780_1&amp;course_id=_47616_1</a:t>
-            </a:r>
-            <a:endParaRPr lang="en-US" dirty="0"/>
-          </a:p>
-          <a:p>
-            <a:endParaRPr lang="en-US" dirty="0"/>
+              <a:t>www.mouser.com</a:t>
+            </a:r>
+            <a:r>
+              <a:rPr lang="en-US" smtClean="0">
+                <a:hlinkClick r:id="rId3"/>
+              </a:rPr>
+              <a:t>/</a:t>
+            </a:r>
+            <a:r>
+              <a:rPr lang="en-US" smtClean="0"/>
+              <a:t> </a:t>
+            </a:r>
+            <a:endParaRPr lang="en-US"/>
           </a:p>
         </p:txBody>
       </p:sp>
@@ -6615,6 +6659,7 @@
           <a:p>
             <a:fld id="{E5FD5434-F838-4DD4-A17B-1CB1A1850DF4}" type="slidenum">
               <a:rPr lang="en-US" smtClean="0"/>
+              <a:pPr/>
               <a:t>9</a:t>
             </a:fld>
             <a:endParaRPr lang="en-US"/>
@@ -6622,22 +6667,17 @@
         </p:txBody>
       </p:sp>
     </p:spTree>
-    <p:extLst>
-      <p:ext uri="{BB962C8B-B14F-4D97-AF65-F5344CB8AC3E}">
-        <p14:creationId xmlns:p14="http://schemas.microsoft.com/office/powerpoint/2010/main" val="559317384"/>
-      </p:ext>
-    </p:extLst>
   </p:cSld>
   <p:clrMapOvr>
     <a:masterClrMapping/>
   </p:clrMapOvr>
-  <mc:AlternateContent xmlns:mc="http://schemas.openxmlformats.org/markup-compatibility/2006" xmlns:p14="http://schemas.microsoft.com/office/powerpoint/2010/main">
-    <mc:Choice Requires="p14">
+  <mc:AlternateContent xmlns:mc="http://schemas.openxmlformats.org/markup-compatibility/2006">
+    <mc:Choice xmlns:p14="http://schemas.microsoft.com/office/powerpoint/2010/main" xmlns="" Requires="p14">
       <p:transition spd="med" p14:dur="700">
         <p:fade/>
       </p:transition>
     </mc:Choice>
-    <mc:Fallback xmlns="">
+    <mc:Fallback>
       <p:transition spd="med">
         <p:fade/>
       </p:transition>
@@ -7019,7 +7059,7 @@
   <a:extraClrSchemeLst/>
   <a:extLst>
     <a:ext uri="{05A4C25C-085E-4340-85A3-A5531E510DB2}">
-      <thm15:themeFamily xmlns:thm15="http://schemas.microsoft.com/office/thememl/2012/main" name="TF02804895" id="{68999234-8DFD-4917-9E9A-A1A0AECD5E67}" vid="{F8691E0C-9980-4F34-AB76-18F64CB286D1}"/>
+      <thm15:themeFamily xmlns:thm15="http://schemas.microsoft.com/office/thememl/2012/main" xmlns="" name="TF02804895" id="{68999234-8DFD-4917-9E9A-A1A0AECD5E67}" vid="{F8691E0C-9980-4F34-AB76-18F64CB286D1}"/>
     </a:ext>
   </a:extLst>
 </a:theme>
@@ -7620,15 +7660,6 @@
 </file>
 
 <file path=customXml/item1.xml><?xml version="1.0" encoding="utf-8"?>
-<?mso-contentType ?>
-<FormTemplates xmlns="http://schemas.microsoft.com/sharepoint/v3/contenttype/forms">
-  <Display>DocumentLibraryForm</Display>
-  <Edit>AssetEditForm</Edit>
-  <New>DocumentLibraryForm</New>
-</FormTemplates>
-</file>
-
-<file path=customXml/item2.xml><?xml version="1.0" encoding="utf-8"?>
 <ct:contentTypeSchema xmlns:ct="http://schemas.microsoft.com/office/2006/metadata/contentType" xmlns:ma="http://schemas.microsoft.com/office/2006/metadata/properties/metaAttributes" ct:_="" ma:_="" ma:contentTypeName="TemplateFile" ma:contentTypeID="0x0101006EDDDB5EE6D98C44930B742096920B300400F5B6D36B3EF94B4E9A635CDF2A18F5B8" ma:contentTypeVersion="72" ma:contentTypeDescription="Create a new document." ma:contentTypeScope="" ma:versionID="a23e56308344d904b51738559c3d67c9">
   <xsd:schema xmlns:xsd="http://www.w3.org/2001/XMLSchema" xmlns:xs="http://www.w3.org/2001/XMLSchema" xmlns:p="http://schemas.microsoft.com/office/2006/metadata/properties" xmlns:ns2="4873beb7-5857-4685-be1f-d57550cc96cc" targetNamespace="http://schemas.microsoft.com/office/2006/metadata/properties" ma:root="true" ma:fieldsID="cd0908cc4600e77bf5da051303e00c8d" ns2:_="">
     <xsd:import namespace="4873beb7-5857-4685-be1f-d57550cc96cc"/>
@@ -8668,7 +8699,7 @@
 </ct:contentTypeSchema>
 </file>
 
-<file path=customXml/item3.xml><?xml version="1.0" encoding="utf-8"?>
+<file path=customXml/item2.xml><?xml version="1.0" encoding="utf-8"?>
 <p:properties xmlns:p="http://schemas.microsoft.com/office/2006/metadata/properties" xmlns:xsi="http://www.w3.org/2001/XMLSchema-instance" xmlns:pc="http://schemas.microsoft.com/office/infopath/2007/PartnerControls">
   <documentManagement>
     <DirectSourceMarket xmlns="4873beb7-5857-4685-be1f-d57550cc96cc" xsi:nil="true"/>
@@ -8795,15 +8826,16 @@
 </p:properties>
 </file>
 
-<file path=customXml/itemProps1.xml><?xml version="1.0" encoding="utf-8"?>
-<ds:datastoreItem xmlns:ds="http://schemas.openxmlformats.org/officeDocument/2006/customXml" ds:itemID="{0A765CE0-A8A0-42E0-82D2-3F870DB4D5F7}">
-  <ds:schemaRefs>
-    <ds:schemaRef ds:uri="http://schemas.microsoft.com/sharepoint/v3/contenttype/forms"/>
-  </ds:schemaRefs>
-</ds:datastoreItem>
+<file path=customXml/item3.xml><?xml version="1.0" encoding="utf-8"?>
+<?mso-contentType ?>
+<FormTemplates xmlns="http://schemas.microsoft.com/sharepoint/v3/contenttype/forms">
+  <Display>DocumentLibraryForm</Display>
+  <Edit>AssetEditForm</Edit>
+  <New>DocumentLibraryForm</New>
+</FormTemplates>
 </file>
 
-<file path=customXml/itemProps2.xml><?xml version="1.0" encoding="utf-8"?>
+<file path=customXml/itemProps1.xml><?xml version="1.0" encoding="utf-8"?>
 <ds:datastoreItem xmlns:ds="http://schemas.openxmlformats.org/officeDocument/2006/customXml" ds:itemID="{41BC18E0-614B-4152-A3EE-8AA2B60C721E}">
   <ds:schemaRefs>
     <ds:schemaRef ds:uri="http://schemas.microsoft.com/office/2006/metadata/contentType"/>
@@ -8821,18 +8853,26 @@
 </ds:datastoreItem>
 </file>
 
-<file path=customXml/itemProps3.xml><?xml version="1.0" encoding="utf-8"?>
+<file path=customXml/itemProps2.xml><?xml version="1.0" encoding="utf-8"?>
 <ds:datastoreItem xmlns:ds="http://schemas.openxmlformats.org/officeDocument/2006/customXml" ds:itemID="{45076977-ECB7-44C2-A70D-853BB6B41242}">
   <ds:schemaRefs>
-    <ds:schemaRef ds:uri="4873beb7-5857-4685-be1f-d57550cc96cc"/>
     <ds:schemaRef ds:uri="http://schemas.openxmlformats.org/package/2006/metadata/core-properties"/>
-    <ds:schemaRef ds:uri="http://purl.org/dc/terms/"/>
+    <ds:schemaRef ds:uri="http://schemas.microsoft.com/office/2006/documentManagement/types"/>
     <ds:schemaRef ds:uri="http://schemas.microsoft.com/office/infopath/2007/PartnerControls"/>
-    <ds:schemaRef ds:uri="http://www.w3.org/XML/1998/namespace"/>
-    <ds:schemaRef ds:uri="http://schemas.microsoft.com/office/2006/documentManagement/types"/>
     <ds:schemaRef ds:uri="http://purl.org/dc/elements/1.1/"/>
     <ds:schemaRef ds:uri="http://schemas.microsoft.com/office/2006/metadata/properties"/>
+    <ds:schemaRef ds:uri="http://purl.org/dc/terms/"/>
+    <ds:schemaRef ds:uri="4873beb7-5857-4685-be1f-d57550cc96cc"/>
+    <ds:schemaRef ds:uri="http://www.w3.org/XML/1998/namespace"/>
     <ds:schemaRef ds:uri="http://purl.org/dc/dcmitype/"/>
   </ds:schemaRefs>
 </ds:datastoreItem>
+</file>
+
+<file path=customXml/itemProps3.xml><?xml version="1.0" encoding="utf-8"?>
+<ds:datastoreItem xmlns:ds="http://schemas.openxmlformats.org/officeDocument/2006/customXml" ds:itemID="{0A765CE0-A8A0-42E0-82D2-3F870DB4D5F7}">
+  <ds:schemaRefs>
+    <ds:schemaRef ds:uri="http://schemas.microsoft.com/sharepoint/v3/contenttype/forms"/>
+  </ds:schemaRefs>
+</ds:datastoreItem>
 </file>